--- a/docs/cg期中展示ppt.pptx
+++ b/docs/cg期中展示ppt.pptx
@@ -5,7 +5,7 @@
     <p:sldMasterId id="2147483744" r:id="rId1"/>
   </p:sldMasterIdLst>
   <p:notesMasterIdLst>
-    <p:notesMasterId r:id="rId13"/>
+    <p:notesMasterId r:id="rId14"/>
   </p:notesMasterIdLst>
   <p:sldIdLst>
     <p:sldId id="256" r:id="rId2"/>
@@ -18,7 +18,8 @@
     <p:sldId id="266" r:id="rId9"/>
     <p:sldId id="257" r:id="rId10"/>
     <p:sldId id="268" r:id="rId11"/>
-    <p:sldId id="267" r:id="rId12"/>
+    <p:sldId id="269" r:id="rId12"/>
+    <p:sldId id="267" r:id="rId13"/>
   </p:sldIdLst>
   <p:sldSz cx="9144000" cy="6858000" type="screen4x3"/>
   <p:notesSz cx="6858000" cy="9144000"/>
@@ -218,7 +219,7 @@
           <a:p>
             <a:fld id="{306F6C37-9BE2-F74F-8D4B-D28966B794D0}" type="datetimeFigureOut">
               <a:rPr kumimoji="1" lang="zh-CN" altLang="en-US" smtClean="0"/>
-              <a:t>2018/4/19</a:t>
+              <a:t>2018/4/26</a:t>
             </a:fld>
             <a:endParaRPr kumimoji="1" lang="zh-CN" altLang="en-US"/>
           </a:p>
@@ -282,35 +283,35 @@
           <a:p>
             <a:pPr lvl="0"/>
             <a:r>
-              <a:rPr kumimoji="1" lang="en-US" altLang="zh-CN" smtClean="0"/>
+              <a:rPr kumimoji="1" lang="en-US" altLang="zh-CN"/>
               <a:t>Click to edit Master text styles</a:t>
             </a:r>
           </a:p>
           <a:p>
             <a:pPr lvl="1"/>
             <a:r>
-              <a:rPr kumimoji="1" lang="en-US" altLang="zh-CN" smtClean="0"/>
+              <a:rPr kumimoji="1" lang="en-US" altLang="zh-CN"/>
               <a:t>Second level</a:t>
             </a:r>
           </a:p>
           <a:p>
             <a:pPr lvl="2"/>
             <a:r>
-              <a:rPr kumimoji="1" lang="en-US" altLang="zh-CN" smtClean="0"/>
+              <a:rPr kumimoji="1" lang="en-US" altLang="zh-CN"/>
               <a:t>Third level</a:t>
             </a:r>
           </a:p>
           <a:p>
             <a:pPr lvl="3"/>
             <a:r>
-              <a:rPr kumimoji="1" lang="en-US" altLang="zh-CN" smtClean="0"/>
+              <a:rPr kumimoji="1" lang="en-US" altLang="zh-CN"/>
               <a:t>Fourth level</a:t>
             </a:r>
           </a:p>
           <a:p>
             <a:pPr lvl="4"/>
             <a:r>
-              <a:rPr kumimoji="1" lang="en-US" altLang="zh-CN" smtClean="0"/>
+              <a:rPr kumimoji="1" lang="en-US" altLang="zh-CN"/>
               <a:t>Fifth level</a:t>
             </a:r>
             <a:endParaRPr kumimoji="1" lang="zh-CN" altLang="en-US"/>
@@ -531,11 +532,11 @@
           <a:lstStyle/>
           <a:p>
             <a:r>
-              <a:rPr kumimoji="1" lang="zh-CN" altLang="en-US" dirty="0" smtClean="0"/>
+              <a:rPr kumimoji="1" lang="zh-CN" altLang="en-US" dirty="0"/>
               <a:t>老师们同学们，早上好，现在由我来给大家分享一下我们组的期末项目</a:t>
             </a:r>
             <a:r>
-              <a:rPr kumimoji="1" lang="en-US" altLang="zh-CN" dirty="0" smtClean="0"/>
+              <a:rPr kumimoji="1" lang="en-US" altLang="zh-CN" dirty="0"/>
               <a:t>——MineCube</a:t>
             </a:r>
             <a:endParaRPr kumimoji="1" lang="zh-CN" altLang="en-US" dirty="0"/>
@@ -597,7 +598,7 @@
       </p:grpSpPr>
       <p:sp>
         <p:nvSpPr>
-          <p:cNvPr id="2" name="Slide Image Placeholder 1"/>
+          <p:cNvPr id="2" name="幻灯片图像占位符 1"/>
           <p:cNvSpPr>
             <a:spLocks noGrp="1" noRot="1" noChangeAspect="1"/>
           </p:cNvSpPr>
@@ -609,7 +610,7 @@
       </p:sp>
       <p:sp>
         <p:nvSpPr>
-          <p:cNvPr id="3" name="Notes Placeholder 2"/>
+          <p:cNvPr id="3" name="备注占位符 2"/>
           <p:cNvSpPr>
             <a:spLocks noGrp="1"/>
           </p:cNvSpPr>
@@ -622,21 +623,13 @@
           <a:bodyPr/>
           <a:lstStyle/>
           <a:p>
-            <a:r>
-              <a:rPr kumimoji="1" lang="zh-CN" altLang="en-US" dirty="0" smtClean="0"/>
-              <a:t>未来，我们将会完善代码，在开发出初版后</a:t>
-            </a:r>
-            <a:r>
-              <a:rPr kumimoji="1" lang="zh-CN" altLang="en-US" smtClean="0"/>
-              <a:t>不断迭代完善。</a:t>
-            </a:r>
-            <a:endParaRPr kumimoji="1" lang="zh-CN" altLang="en-US"/>
-          </a:p>
-        </p:txBody>
-      </p:sp>
-      <p:sp>
-        <p:nvSpPr>
-          <p:cNvPr id="4" name="Slide Number Placeholder 3"/>
+            <a:endParaRPr lang="zh-CN" altLang="en-US" dirty="0"/>
+          </a:p>
+        </p:txBody>
+      </p:sp>
+      <p:sp>
+        <p:nvSpPr>
+          <p:cNvPr id="4" name="灯片编号占位符 3"/>
           <p:cNvSpPr>
             <a:spLocks noGrp="1"/>
           </p:cNvSpPr>
@@ -652,6 +645,97 @@
             <a:fld id="{F038A75E-356B-9B42-BD3A-25272D0FB171}" type="slidenum">
               <a:rPr kumimoji="1" lang="zh-CN" altLang="en-US" smtClean="0"/>
               <a:t>11</a:t>
+            </a:fld>
+            <a:endParaRPr kumimoji="1" lang="zh-CN" altLang="en-US"/>
+          </a:p>
+        </p:txBody>
+      </p:sp>
+    </p:spTree>
+    <p:extLst>
+      <p:ext uri="{BB962C8B-B14F-4D97-AF65-F5344CB8AC3E}">
+        <p14:creationId xmlns:p14="http://schemas.microsoft.com/office/powerpoint/2010/main" val="4056093756"/>
+      </p:ext>
+    </p:extLst>
+  </p:cSld>
+  <p:clrMapOvr>
+    <a:masterClrMapping/>
+  </p:clrMapOvr>
+</p:notes>
+</file>
+
+<file path=ppt/notesSlides/notesSlide11.xml><?xml version="1.0" encoding="utf-8"?>
+<p:notes xmlns:a="http://schemas.openxmlformats.org/drawingml/2006/main" xmlns:r="http://schemas.openxmlformats.org/officeDocument/2006/relationships" xmlns:p="http://schemas.openxmlformats.org/presentationml/2006/main">
+  <p:cSld>
+    <p:spTree>
+      <p:nvGrpSpPr>
+        <p:cNvPr id="1" name=""/>
+        <p:cNvGrpSpPr/>
+        <p:nvPr/>
+      </p:nvGrpSpPr>
+      <p:grpSpPr>
+        <a:xfrm>
+          <a:off x="0" y="0"/>
+          <a:ext cx="0" cy="0"/>
+          <a:chOff x="0" y="0"/>
+          <a:chExt cx="0" cy="0"/>
+        </a:xfrm>
+      </p:grpSpPr>
+      <p:sp>
+        <p:nvSpPr>
+          <p:cNvPr id="2" name="Slide Image Placeholder 1"/>
+          <p:cNvSpPr>
+            <a:spLocks noGrp="1" noRot="1" noChangeAspect="1"/>
+          </p:cNvSpPr>
+          <p:nvPr>
+            <p:ph type="sldImg"/>
+          </p:nvPr>
+        </p:nvSpPr>
+        <p:spPr/>
+      </p:sp>
+      <p:sp>
+        <p:nvSpPr>
+          <p:cNvPr id="3" name="Notes Placeholder 2"/>
+          <p:cNvSpPr>
+            <a:spLocks noGrp="1"/>
+          </p:cNvSpPr>
+          <p:nvPr>
+            <p:ph type="body" idx="1"/>
+          </p:nvPr>
+        </p:nvSpPr>
+        <p:spPr/>
+        <p:txBody>
+          <a:bodyPr/>
+          <a:lstStyle/>
+          <a:p>
+            <a:r>
+              <a:rPr kumimoji="1" lang="zh-CN" altLang="en-US" dirty="0"/>
+              <a:t>未来，我们将会完善代码，在开发出初版后</a:t>
+            </a:r>
+            <a:r>
+              <a:rPr kumimoji="1" lang="zh-CN" altLang="en-US"/>
+              <a:t>不断迭代完善。</a:t>
+            </a:r>
+          </a:p>
+        </p:txBody>
+      </p:sp>
+      <p:sp>
+        <p:nvSpPr>
+          <p:cNvPr id="4" name="Slide Number Placeholder 3"/>
+          <p:cNvSpPr>
+            <a:spLocks noGrp="1"/>
+          </p:cNvSpPr>
+          <p:nvPr>
+            <p:ph type="sldNum" sz="quarter" idx="10"/>
+          </p:nvPr>
+        </p:nvSpPr>
+        <p:spPr/>
+        <p:txBody>
+          <a:bodyPr/>
+          <a:lstStyle/>
+          <a:p>
+            <a:fld id="{F038A75E-356B-9B42-BD3A-25272D0FB171}" type="slidenum">
+              <a:rPr kumimoji="1" lang="zh-CN" altLang="en-US" smtClean="0"/>
+              <a:t>12</a:t>
             </a:fld>
             <a:endParaRPr kumimoji="1" lang="zh-CN" altLang="en-US"/>
           </a:p>
@@ -715,23 +799,23 @@
           <a:lstStyle/>
           <a:p>
             <a:r>
-              <a:rPr kumimoji="1" lang="zh-CN" altLang="en-US" dirty="0" smtClean="0"/>
+              <a:rPr kumimoji="1" lang="zh-CN" altLang="en-US" dirty="0"/>
               <a:t>我们的项目灵感来源于组员无意发现的一个很有趣的软件</a:t>
             </a:r>
             <a:r>
-              <a:rPr kumimoji="1" lang="en-US" altLang="zh-CN" dirty="0" smtClean="0"/>
+              <a:rPr kumimoji="1" lang="en-US" altLang="zh-CN" dirty="0"/>
               <a:t>——</a:t>
             </a:r>
             <a:r>
-              <a:rPr kumimoji="1" lang="en-US" altLang="zh-CN" dirty="0" err="1" smtClean="0"/>
+              <a:rPr kumimoji="1" lang="en-US" altLang="zh-CN" dirty="0" err="1"/>
               <a:t>MagicaVoxel</a:t>
             </a:r>
             <a:r>
-              <a:rPr kumimoji="1" lang="zh-CN" altLang="en-US" dirty="0" smtClean="0"/>
+              <a:rPr kumimoji="1" lang="zh-CN" altLang="en-US" dirty="0"/>
               <a:t>，</a:t>
             </a:r>
             <a:r>
-              <a:rPr kumimoji="1" lang="zh-CN" altLang="en-US" baseline="0" dirty="0" smtClean="0"/>
+              <a:rPr kumimoji="1" lang="zh-CN" altLang="en-US" baseline="0" dirty="0"/>
               <a:t>一个允许用户自行设计方块世界的图形软件，先让我们看看它的大体界面</a:t>
             </a:r>
             <a:endParaRPr kumimoji="1" lang="zh-CN" altLang="en-US" dirty="0"/>
@@ -819,10 +903,9 @@
           <a:lstStyle/>
           <a:p>
             <a:r>
-              <a:rPr kumimoji="1" lang="zh-CN" altLang="en-US" dirty="0" smtClean="0"/>
+              <a:rPr kumimoji="1" lang="zh-CN" altLang="en-US" dirty="0"/>
               <a:t>这是软件的界面</a:t>
             </a:r>
-            <a:endParaRPr kumimoji="1" lang="zh-CN" altLang="en-US" dirty="0"/>
           </a:p>
         </p:txBody>
       </p:sp>
@@ -924,7 +1007,7 @@
               <a:defRPr/>
             </a:pPr>
             <a:r>
-              <a:rPr lang="zh-CN" altLang="en-US" sz="1200" b="0" i="0" u="none" strike="noStrike" kern="1200" dirty="0" smtClean="0">
+              <a:rPr lang="zh-CN" altLang="en-US" sz="1200" b="0" i="0" u="none" strike="noStrike" kern="1200" dirty="0">
                 <a:solidFill>
                   <a:schemeClr val="tx1"/>
                 </a:solidFill>
@@ -935,7 +1018,7 @@
               </a:rPr>
               <a:t>然后让我们通过视频来看看这个东西能做出点什么</a:t>
             </a:r>
-            <a:endParaRPr lang="en-US" altLang="zh-CN" sz="1200" b="0" i="0" u="none" strike="noStrike" kern="1200" dirty="0" smtClean="0">
+            <a:endParaRPr lang="en-US" altLang="zh-CN" sz="1200" b="0" i="0" u="none" strike="noStrike" kern="1200" dirty="0">
               <a:solidFill>
                 <a:schemeClr val="tx1"/>
               </a:solidFill>
@@ -964,7 +1047,7 @@
               <a:defRPr/>
             </a:pPr>
             <a:r>
-              <a:rPr lang="en-US" altLang="zh-CN" sz="1200" b="0" i="0" u="none" strike="noStrike" kern="1200" dirty="0" smtClean="0">
+              <a:rPr lang="en-US" altLang="zh-CN" sz="1200" b="0" i="0" u="none" strike="noStrike" kern="1200" dirty="0">
                 <a:solidFill>
                   <a:schemeClr val="tx1"/>
                 </a:solidFill>
@@ -976,7 +1059,7 @@
               <a:t>https://</a:t>
             </a:r>
             <a:r>
-              <a:rPr lang="en-US" altLang="zh-CN" sz="1200" b="0" i="0" u="none" strike="noStrike" kern="1200" dirty="0" err="1" smtClean="0">
+              <a:rPr lang="en-US" altLang="zh-CN" sz="1200" b="0" i="0" u="none" strike="noStrike" kern="1200" dirty="0" err="1">
                 <a:solidFill>
                   <a:schemeClr val="tx1"/>
                 </a:solidFill>
@@ -988,7 +1071,7 @@
               <a:t>www.youtube.com</a:t>
             </a:r>
             <a:r>
-              <a:rPr lang="en-US" altLang="zh-CN" sz="1200" b="0" i="0" u="none" strike="noStrike" kern="1200" dirty="0" smtClean="0">
+              <a:rPr lang="en-US" altLang="zh-CN" sz="1200" b="0" i="0" u="none" strike="noStrike" kern="1200" dirty="0">
                 <a:solidFill>
                   <a:schemeClr val="tx1"/>
                 </a:solidFill>
@@ -1000,7 +1083,7 @@
               <a:t>/</a:t>
             </a:r>
             <a:r>
-              <a:rPr lang="en-US" altLang="zh-CN" sz="1200" b="0" i="0" u="none" strike="noStrike" kern="1200" dirty="0" err="1" smtClean="0">
+              <a:rPr lang="en-US" altLang="zh-CN" sz="1200" b="0" i="0" u="none" strike="noStrike" kern="1200" dirty="0" err="1">
                 <a:solidFill>
                   <a:schemeClr val="tx1"/>
                 </a:solidFill>
@@ -1012,7 +1095,7 @@
               <a:t>watch?v</a:t>
             </a:r>
             <a:r>
-              <a:rPr lang="en-US" altLang="zh-CN" sz="1200" b="0" i="0" u="none" strike="noStrike" kern="1200" dirty="0" smtClean="0">
+              <a:rPr lang="en-US" altLang="zh-CN" sz="1200" b="0" i="0" u="none" strike="noStrike" kern="1200" dirty="0">
                 <a:solidFill>
                   <a:schemeClr val="tx1"/>
                 </a:solidFill>
@@ -1108,10 +1191,9 @@
           <a:lstStyle/>
           <a:p>
             <a:r>
-              <a:rPr kumimoji="1" lang="zh-CN" altLang="en-US" dirty="0" smtClean="0"/>
+              <a:rPr kumimoji="1" lang="zh-CN" altLang="en-US" dirty="0"/>
               <a:t>只要你富有想象力，你就可以构建以下的模型</a:t>
             </a:r>
-            <a:endParaRPr kumimoji="1" lang="zh-CN" altLang="en-US" dirty="0"/>
           </a:p>
         </p:txBody>
       </p:sp>
@@ -1213,7 +1295,7 @@
               <a:defRPr/>
             </a:pPr>
             <a:r>
-              <a:rPr kumimoji="1" lang="zh-CN" altLang="en-US" dirty="0" smtClean="0"/>
+              <a:rPr kumimoji="1" lang="zh-CN" altLang="en-US" dirty="0"/>
               <a:t>再加上额外的渲染，他们就能创造出不可思议的图像。我们的想法就是，通过本课程所学的知识实现这个软件的部分基础功能并加上一些属于我们自己的效果。</a:t>
             </a:r>
           </a:p>
@@ -1303,10 +1385,9 @@
           <a:lstStyle/>
           <a:p>
             <a:r>
-              <a:rPr kumimoji="1" lang="zh-CN" altLang="en-US" dirty="0" smtClean="0"/>
+              <a:rPr kumimoji="1" lang="zh-CN" altLang="en-US" dirty="0"/>
               <a:t>下面让我们来看看团队分工</a:t>
             </a:r>
-            <a:endParaRPr kumimoji="1" lang="zh-CN" altLang="en-US" dirty="0"/>
           </a:p>
         </p:txBody>
       </p:sp>
@@ -1391,26 +1472,17 @@
           <a:lstStyle/>
           <a:p>
             <a:r>
-              <a:rPr kumimoji="1" lang="zh-CN" altLang="en-US" dirty="0" smtClean="0"/>
+              <a:rPr kumimoji="1" lang="zh-CN" altLang="en-US" dirty="0"/>
               <a:t>我们组由</a:t>
             </a:r>
             <a:r>
-              <a:rPr kumimoji="1" lang="en-US" altLang="zh-CN" dirty="0" err="1" smtClean="0"/>
+              <a:rPr kumimoji="1" lang="en-US" altLang="zh-CN" dirty="0" err="1"/>
               <a:t>xxxxxx</a:t>
             </a:r>
             <a:r>
-              <a:rPr kumimoji="1" lang="zh-CN" altLang="en-US" dirty="0" smtClean="0"/>
-              <a:t>组成</a:t>
-            </a:r>
-            <a:r>
-              <a:rPr kumimoji="1" lang="zh-CN" altLang="en-US" dirty="0" smtClean="0"/>
-              <a:t>，第一次迭代分</a:t>
-            </a:r>
-            <a:r>
-              <a:rPr kumimoji="1" lang="zh-CN" altLang="en-US" dirty="0" smtClean="0"/>
-              <a:t>工如上图所示。</a:t>
-            </a:r>
-            <a:endParaRPr kumimoji="1" lang="zh-CN" altLang="en-US" dirty="0"/>
+              <a:rPr kumimoji="1" lang="zh-CN" altLang="en-US" dirty="0"/>
+              <a:t>组成，第一次迭代分工如上图所示。</a:t>
+            </a:r>
           </a:p>
         </p:txBody>
       </p:sp>
@@ -1495,24 +1567,20 @@
           <a:lstStyle/>
           <a:p>
             <a:r>
-              <a:rPr kumimoji="1" lang="zh-CN" altLang="en-US" dirty="0" smtClean="0"/>
-              <a:t>接下来说一下我们开始一周后的进度</a:t>
-            </a:r>
-            <a:r>
-              <a:rPr kumimoji="1" lang="zh-CN" altLang="en-US" dirty="0" smtClean="0"/>
-              <a:t>情况</a:t>
-            </a:r>
-            <a:endParaRPr kumimoji="1" lang="en-US" altLang="zh-CN" dirty="0" smtClean="0"/>
-          </a:p>
-          <a:p>
-            <a:endParaRPr kumimoji="1" lang="en-US" altLang="zh-CN" dirty="0" smtClean="0"/>
-          </a:p>
-          <a:p>
-            <a:r>
-              <a:rPr kumimoji="1" lang="zh-CN" altLang="en-US" dirty="0" smtClean="0"/>
+              <a:rPr kumimoji="1" lang="zh-CN" altLang="en-US" dirty="0"/>
+              <a:t>接下来说一下我们开始一周后的进度情况</a:t>
+            </a:r>
+            <a:endParaRPr kumimoji="1" lang="en-US" altLang="zh-CN" dirty="0"/>
+          </a:p>
+          <a:p>
+            <a:endParaRPr kumimoji="1" lang="en-US" altLang="zh-CN" dirty="0"/>
+          </a:p>
+          <a:p>
+            <a:r>
+              <a:rPr kumimoji="1" lang="zh-CN" altLang="en-US" dirty="0"/>
               <a:t>（展示代码仓库，可运行文件）</a:t>
             </a:r>
-            <a:endParaRPr kumimoji="1" lang="en-US" altLang="zh-CN" dirty="0" smtClean="0"/>
+            <a:endParaRPr kumimoji="1" lang="en-US" altLang="zh-CN" dirty="0"/>
           </a:p>
         </p:txBody>
       </p:sp>
@@ -1594,7 +1662,7 @@
           </a:lstStyle>
           <a:p>
             <a:r>
-              <a:rPr kumimoji="1" lang="en-US" altLang="zh-CN" smtClean="0"/>
+              <a:rPr kumimoji="1" lang="en-US" altLang="zh-CN"/>
               <a:t>Click to edit Master title style</a:t>
             </a:r>
             <a:endParaRPr kumimoji="1" lang="zh-CN" altLang="en-US"/>
@@ -1659,7 +1727,7 @@
           </a:lstStyle>
           <a:p>
             <a:r>
-              <a:rPr kumimoji="1" lang="en-US" altLang="zh-CN" smtClean="0"/>
+              <a:rPr kumimoji="1" lang="en-US" altLang="zh-CN"/>
               <a:t>Click to edit Master subtitle style</a:t>
             </a:r>
             <a:endParaRPr kumimoji="1" lang="zh-CN" altLang="en-US"/>
@@ -1683,7 +1751,7 @@
           <a:p>
             <a:fld id="{0A7D2CB8-4BF2-BF44-9FE2-0AB34705D650}" type="datetimeFigureOut">
               <a:rPr kumimoji="1" lang="zh-CN" altLang="en-US" smtClean="0"/>
-              <a:t>2018/4/19</a:t>
+              <a:t>2018/4/26</a:t>
             </a:fld>
             <a:endParaRPr kumimoji="1" lang="zh-CN" altLang="en-US"/>
           </a:p>
@@ -1777,7 +1845,7 @@
           <a:lstStyle/>
           <a:p>
             <a:r>
-              <a:rPr kumimoji="1" lang="en-US" altLang="zh-CN" smtClean="0"/>
+              <a:rPr kumimoji="1" lang="en-US" altLang="zh-CN"/>
               <a:t>Click to edit Master title style</a:t>
             </a:r>
             <a:endParaRPr kumimoji="1" lang="zh-CN" altLang="en-US"/>
@@ -1801,35 +1869,35 @@
           <a:p>
             <a:pPr lvl="0"/>
             <a:r>
-              <a:rPr kumimoji="1" lang="en-US" altLang="zh-CN" smtClean="0"/>
+              <a:rPr kumimoji="1" lang="en-US" altLang="zh-CN"/>
               <a:t>Click to edit Master text styles</a:t>
             </a:r>
           </a:p>
           <a:p>
             <a:pPr lvl="1"/>
             <a:r>
-              <a:rPr kumimoji="1" lang="en-US" altLang="zh-CN" smtClean="0"/>
+              <a:rPr kumimoji="1" lang="en-US" altLang="zh-CN"/>
               <a:t>Second level</a:t>
             </a:r>
           </a:p>
           <a:p>
             <a:pPr lvl="2"/>
             <a:r>
-              <a:rPr kumimoji="1" lang="en-US" altLang="zh-CN" smtClean="0"/>
+              <a:rPr kumimoji="1" lang="en-US" altLang="zh-CN"/>
               <a:t>Third level</a:t>
             </a:r>
           </a:p>
           <a:p>
             <a:pPr lvl="3"/>
             <a:r>
-              <a:rPr kumimoji="1" lang="en-US" altLang="zh-CN" smtClean="0"/>
+              <a:rPr kumimoji="1" lang="en-US" altLang="zh-CN"/>
               <a:t>Fourth level</a:t>
             </a:r>
           </a:p>
           <a:p>
             <a:pPr lvl="4"/>
             <a:r>
-              <a:rPr kumimoji="1" lang="en-US" altLang="zh-CN" smtClean="0"/>
+              <a:rPr kumimoji="1" lang="en-US" altLang="zh-CN"/>
               <a:t>Fifth level</a:t>
             </a:r>
             <a:endParaRPr kumimoji="1" lang="zh-CN" altLang="en-US"/>
@@ -1853,7 +1921,7 @@
           <a:p>
             <a:fld id="{0A7D2CB8-4BF2-BF44-9FE2-0AB34705D650}" type="datetimeFigureOut">
               <a:rPr kumimoji="1" lang="zh-CN" altLang="en-US" smtClean="0"/>
-              <a:t>2018/4/19</a:t>
+              <a:t>2018/4/26</a:t>
             </a:fld>
             <a:endParaRPr kumimoji="1" lang="zh-CN" altLang="en-US"/>
           </a:p>
@@ -1952,7 +2020,7 @@
           <a:lstStyle/>
           <a:p>
             <a:r>
-              <a:rPr kumimoji="1" lang="en-US" altLang="zh-CN" smtClean="0"/>
+              <a:rPr kumimoji="1" lang="en-US" altLang="zh-CN"/>
               <a:t>Click to edit Master title style</a:t>
             </a:r>
             <a:endParaRPr kumimoji="1" lang="zh-CN" altLang="en-US"/>
@@ -1981,35 +2049,35 @@
           <a:p>
             <a:pPr lvl="0"/>
             <a:r>
-              <a:rPr kumimoji="1" lang="en-US" altLang="zh-CN" smtClean="0"/>
+              <a:rPr kumimoji="1" lang="en-US" altLang="zh-CN"/>
               <a:t>Click to edit Master text styles</a:t>
             </a:r>
           </a:p>
           <a:p>
             <a:pPr lvl="1"/>
             <a:r>
-              <a:rPr kumimoji="1" lang="en-US" altLang="zh-CN" smtClean="0"/>
+              <a:rPr kumimoji="1" lang="en-US" altLang="zh-CN"/>
               <a:t>Second level</a:t>
             </a:r>
           </a:p>
           <a:p>
             <a:pPr lvl="2"/>
             <a:r>
-              <a:rPr kumimoji="1" lang="en-US" altLang="zh-CN" smtClean="0"/>
+              <a:rPr kumimoji="1" lang="en-US" altLang="zh-CN"/>
               <a:t>Third level</a:t>
             </a:r>
           </a:p>
           <a:p>
             <a:pPr lvl="3"/>
             <a:r>
-              <a:rPr kumimoji="1" lang="en-US" altLang="zh-CN" smtClean="0"/>
+              <a:rPr kumimoji="1" lang="en-US" altLang="zh-CN"/>
               <a:t>Fourth level</a:t>
             </a:r>
           </a:p>
           <a:p>
             <a:pPr lvl="4"/>
             <a:r>
-              <a:rPr kumimoji="1" lang="en-US" altLang="zh-CN" smtClean="0"/>
+              <a:rPr kumimoji="1" lang="en-US" altLang="zh-CN"/>
               <a:t>Fifth level</a:t>
             </a:r>
             <a:endParaRPr kumimoji="1" lang="zh-CN" altLang="en-US"/>
@@ -2033,7 +2101,7 @@
           <a:p>
             <a:fld id="{0A7D2CB8-4BF2-BF44-9FE2-0AB34705D650}" type="datetimeFigureOut">
               <a:rPr kumimoji="1" lang="zh-CN" altLang="en-US" smtClean="0"/>
-              <a:t>2018/4/19</a:t>
+              <a:t>2018/4/26</a:t>
             </a:fld>
             <a:endParaRPr kumimoji="1" lang="zh-CN" altLang="en-US"/>
           </a:p>
@@ -2127,7 +2195,7 @@
           <a:lstStyle/>
           <a:p>
             <a:r>
-              <a:rPr kumimoji="1" lang="en-US" altLang="zh-CN" smtClean="0"/>
+              <a:rPr kumimoji="1" lang="en-US" altLang="zh-CN"/>
               <a:t>Click to edit Master title style</a:t>
             </a:r>
             <a:endParaRPr kumimoji="1" lang="zh-CN" altLang="en-US"/>
@@ -2151,35 +2219,35 @@
           <a:p>
             <a:pPr lvl="0"/>
             <a:r>
-              <a:rPr kumimoji="1" lang="en-US" altLang="zh-CN" smtClean="0"/>
+              <a:rPr kumimoji="1" lang="en-US" altLang="zh-CN"/>
               <a:t>Click to edit Master text styles</a:t>
             </a:r>
           </a:p>
           <a:p>
             <a:pPr lvl="1"/>
             <a:r>
-              <a:rPr kumimoji="1" lang="en-US" altLang="zh-CN" smtClean="0"/>
+              <a:rPr kumimoji="1" lang="en-US" altLang="zh-CN"/>
               <a:t>Second level</a:t>
             </a:r>
           </a:p>
           <a:p>
             <a:pPr lvl="2"/>
             <a:r>
-              <a:rPr kumimoji="1" lang="en-US" altLang="zh-CN" smtClean="0"/>
+              <a:rPr kumimoji="1" lang="en-US" altLang="zh-CN"/>
               <a:t>Third level</a:t>
             </a:r>
           </a:p>
           <a:p>
             <a:pPr lvl="3"/>
             <a:r>
-              <a:rPr kumimoji="1" lang="en-US" altLang="zh-CN" smtClean="0"/>
+              <a:rPr kumimoji="1" lang="en-US" altLang="zh-CN"/>
               <a:t>Fourth level</a:t>
             </a:r>
           </a:p>
           <a:p>
             <a:pPr lvl="4"/>
             <a:r>
-              <a:rPr kumimoji="1" lang="en-US" altLang="zh-CN" smtClean="0"/>
+              <a:rPr kumimoji="1" lang="en-US" altLang="zh-CN"/>
               <a:t>Fifth level</a:t>
             </a:r>
             <a:endParaRPr kumimoji="1" lang="zh-CN" altLang="en-US"/>
@@ -2203,7 +2271,7 @@
           <a:p>
             <a:fld id="{0A7D2CB8-4BF2-BF44-9FE2-0AB34705D650}" type="datetimeFigureOut">
               <a:rPr kumimoji="1" lang="zh-CN" altLang="en-US" smtClean="0"/>
-              <a:t>2018/4/19</a:t>
+              <a:t>2018/4/26</a:t>
             </a:fld>
             <a:endParaRPr kumimoji="1" lang="zh-CN" altLang="en-US"/>
           </a:p>
@@ -2306,7 +2374,7 @@
           </a:lstStyle>
           <a:p>
             <a:r>
-              <a:rPr kumimoji="1" lang="en-US" altLang="zh-CN" smtClean="0"/>
+              <a:rPr kumimoji="1" lang="en-US" altLang="zh-CN"/>
               <a:t>Click to edit Master title style</a:t>
             </a:r>
             <a:endParaRPr kumimoji="1" lang="zh-CN" altLang="en-US"/>
@@ -2426,7 +2494,7 @@
           <a:p>
             <a:pPr lvl="0"/>
             <a:r>
-              <a:rPr kumimoji="1" lang="en-US" altLang="zh-CN" smtClean="0"/>
+              <a:rPr kumimoji="1" lang="en-US" altLang="zh-CN"/>
               <a:t>Click to edit Master text styles</a:t>
             </a:r>
           </a:p>
@@ -2449,7 +2517,7 @@
           <a:p>
             <a:fld id="{0A7D2CB8-4BF2-BF44-9FE2-0AB34705D650}" type="datetimeFigureOut">
               <a:rPr kumimoji="1" lang="zh-CN" altLang="en-US" smtClean="0"/>
-              <a:t>2018/4/19</a:t>
+              <a:t>2018/4/26</a:t>
             </a:fld>
             <a:endParaRPr kumimoji="1" lang="zh-CN" altLang="en-US"/>
           </a:p>
@@ -2543,7 +2611,7 @@
           <a:lstStyle/>
           <a:p>
             <a:r>
-              <a:rPr kumimoji="1" lang="en-US" altLang="zh-CN" smtClean="0"/>
+              <a:rPr kumimoji="1" lang="en-US" altLang="zh-CN"/>
               <a:t>Click to edit Master title style</a:t>
             </a:r>
             <a:endParaRPr kumimoji="1" lang="zh-CN" altLang="en-US"/>
@@ -2572,35 +2640,35 @@
           <a:p>
             <a:pPr lvl="0"/>
             <a:r>
-              <a:rPr kumimoji="1" lang="en-US" altLang="zh-CN" smtClean="0"/>
+              <a:rPr kumimoji="1" lang="en-US" altLang="zh-CN"/>
               <a:t>Click to edit Master text styles</a:t>
             </a:r>
           </a:p>
           <a:p>
             <a:pPr lvl="1"/>
             <a:r>
-              <a:rPr kumimoji="1" lang="en-US" altLang="zh-CN" smtClean="0"/>
+              <a:rPr kumimoji="1" lang="en-US" altLang="zh-CN"/>
               <a:t>Second level</a:t>
             </a:r>
           </a:p>
           <a:p>
             <a:pPr lvl="2"/>
             <a:r>
-              <a:rPr kumimoji="1" lang="en-US" altLang="zh-CN" smtClean="0"/>
+              <a:rPr kumimoji="1" lang="en-US" altLang="zh-CN"/>
               <a:t>Third level</a:t>
             </a:r>
           </a:p>
           <a:p>
             <a:pPr lvl="3"/>
             <a:r>
-              <a:rPr kumimoji="1" lang="en-US" altLang="zh-CN" smtClean="0"/>
+              <a:rPr kumimoji="1" lang="en-US" altLang="zh-CN"/>
               <a:t>Fourth level</a:t>
             </a:r>
           </a:p>
           <a:p>
             <a:pPr lvl="4"/>
             <a:r>
-              <a:rPr kumimoji="1" lang="en-US" altLang="zh-CN" smtClean="0"/>
+              <a:rPr kumimoji="1" lang="en-US" altLang="zh-CN"/>
               <a:t>Fifth level</a:t>
             </a:r>
             <a:endParaRPr kumimoji="1" lang="zh-CN" altLang="en-US"/>
@@ -2629,35 +2697,35 @@
           <a:p>
             <a:pPr lvl="0"/>
             <a:r>
-              <a:rPr kumimoji="1" lang="en-US" altLang="zh-CN" smtClean="0"/>
+              <a:rPr kumimoji="1" lang="en-US" altLang="zh-CN"/>
               <a:t>Click to edit Master text styles</a:t>
             </a:r>
           </a:p>
           <a:p>
             <a:pPr lvl="1"/>
             <a:r>
-              <a:rPr kumimoji="1" lang="en-US" altLang="zh-CN" smtClean="0"/>
+              <a:rPr kumimoji="1" lang="en-US" altLang="zh-CN"/>
               <a:t>Second level</a:t>
             </a:r>
           </a:p>
           <a:p>
             <a:pPr lvl="2"/>
             <a:r>
-              <a:rPr kumimoji="1" lang="en-US" altLang="zh-CN" smtClean="0"/>
+              <a:rPr kumimoji="1" lang="en-US" altLang="zh-CN"/>
               <a:t>Third level</a:t>
             </a:r>
           </a:p>
           <a:p>
             <a:pPr lvl="3"/>
             <a:r>
-              <a:rPr kumimoji="1" lang="en-US" altLang="zh-CN" smtClean="0"/>
+              <a:rPr kumimoji="1" lang="en-US" altLang="zh-CN"/>
               <a:t>Fourth level</a:t>
             </a:r>
           </a:p>
           <a:p>
             <a:pPr lvl="4"/>
             <a:r>
-              <a:rPr kumimoji="1" lang="en-US" altLang="zh-CN" smtClean="0"/>
+              <a:rPr kumimoji="1" lang="en-US" altLang="zh-CN"/>
               <a:t>Fifth level</a:t>
             </a:r>
             <a:endParaRPr kumimoji="1" lang="zh-CN" altLang="en-US"/>
@@ -2681,7 +2749,7 @@
           <a:p>
             <a:fld id="{0A7D2CB8-4BF2-BF44-9FE2-0AB34705D650}" type="datetimeFigureOut">
               <a:rPr kumimoji="1" lang="zh-CN" altLang="en-US" smtClean="0"/>
-              <a:t>2018/4/19</a:t>
+              <a:t>2018/4/26</a:t>
             </a:fld>
             <a:endParaRPr kumimoji="1" lang="zh-CN" altLang="en-US"/>
           </a:p>
@@ -2780,7 +2848,7 @@
           <a:lstStyle/>
           <a:p>
             <a:r>
-              <a:rPr kumimoji="1" lang="en-US" altLang="zh-CN" smtClean="0"/>
+              <a:rPr kumimoji="1" lang="en-US" altLang="zh-CN"/>
               <a:t>Click to edit Master title style</a:t>
             </a:r>
             <a:endParaRPr kumimoji="1" lang="zh-CN" altLang="en-US"/>
@@ -2846,7 +2914,7 @@
           <a:p>
             <a:pPr lvl="0"/>
             <a:r>
-              <a:rPr kumimoji="1" lang="en-US" altLang="zh-CN" smtClean="0"/>
+              <a:rPr kumimoji="1" lang="en-US" altLang="zh-CN"/>
               <a:t>Click to edit Master text styles</a:t>
             </a:r>
           </a:p>
@@ -2874,35 +2942,35 @@
           <a:p>
             <a:pPr lvl="0"/>
             <a:r>
-              <a:rPr kumimoji="1" lang="en-US" altLang="zh-CN" smtClean="0"/>
+              <a:rPr kumimoji="1" lang="en-US" altLang="zh-CN"/>
               <a:t>Click to edit Master text styles</a:t>
             </a:r>
           </a:p>
           <a:p>
             <a:pPr lvl="1"/>
             <a:r>
-              <a:rPr kumimoji="1" lang="en-US" altLang="zh-CN" smtClean="0"/>
+              <a:rPr kumimoji="1" lang="en-US" altLang="zh-CN"/>
               <a:t>Second level</a:t>
             </a:r>
           </a:p>
           <a:p>
             <a:pPr lvl="2"/>
             <a:r>
-              <a:rPr kumimoji="1" lang="en-US" altLang="zh-CN" smtClean="0"/>
+              <a:rPr kumimoji="1" lang="en-US" altLang="zh-CN"/>
               <a:t>Third level</a:t>
             </a:r>
           </a:p>
           <a:p>
             <a:pPr lvl="3"/>
             <a:r>
-              <a:rPr kumimoji="1" lang="en-US" altLang="zh-CN" smtClean="0"/>
+              <a:rPr kumimoji="1" lang="en-US" altLang="zh-CN"/>
               <a:t>Fourth level</a:t>
             </a:r>
           </a:p>
           <a:p>
             <a:pPr lvl="4"/>
             <a:r>
-              <a:rPr kumimoji="1" lang="en-US" altLang="zh-CN" smtClean="0"/>
+              <a:rPr kumimoji="1" lang="en-US" altLang="zh-CN"/>
               <a:t>Fifth level</a:t>
             </a:r>
             <a:endParaRPr kumimoji="1" lang="zh-CN" altLang="en-US"/>
@@ -2968,7 +3036,7 @@
           <a:p>
             <a:pPr lvl="0"/>
             <a:r>
-              <a:rPr kumimoji="1" lang="en-US" altLang="zh-CN" smtClean="0"/>
+              <a:rPr kumimoji="1" lang="en-US" altLang="zh-CN"/>
               <a:t>Click to edit Master text styles</a:t>
             </a:r>
           </a:p>
@@ -2996,35 +3064,35 @@
           <a:p>
             <a:pPr lvl="0"/>
             <a:r>
-              <a:rPr kumimoji="1" lang="en-US" altLang="zh-CN" smtClean="0"/>
+              <a:rPr kumimoji="1" lang="en-US" altLang="zh-CN"/>
               <a:t>Click to edit Master text styles</a:t>
             </a:r>
           </a:p>
           <a:p>
             <a:pPr lvl="1"/>
             <a:r>
-              <a:rPr kumimoji="1" lang="en-US" altLang="zh-CN" smtClean="0"/>
+              <a:rPr kumimoji="1" lang="en-US" altLang="zh-CN"/>
               <a:t>Second level</a:t>
             </a:r>
           </a:p>
           <a:p>
             <a:pPr lvl="2"/>
             <a:r>
-              <a:rPr kumimoji="1" lang="en-US" altLang="zh-CN" smtClean="0"/>
+              <a:rPr kumimoji="1" lang="en-US" altLang="zh-CN"/>
               <a:t>Third level</a:t>
             </a:r>
           </a:p>
           <a:p>
             <a:pPr lvl="3"/>
             <a:r>
-              <a:rPr kumimoji="1" lang="en-US" altLang="zh-CN" smtClean="0"/>
+              <a:rPr kumimoji="1" lang="en-US" altLang="zh-CN"/>
               <a:t>Fourth level</a:t>
             </a:r>
           </a:p>
           <a:p>
             <a:pPr lvl="4"/>
             <a:r>
-              <a:rPr kumimoji="1" lang="en-US" altLang="zh-CN" smtClean="0"/>
+              <a:rPr kumimoji="1" lang="en-US" altLang="zh-CN"/>
               <a:t>Fifth level</a:t>
             </a:r>
             <a:endParaRPr kumimoji="1" lang="zh-CN" altLang="en-US"/>
@@ -3048,7 +3116,7 @@
           <a:p>
             <a:fld id="{0A7D2CB8-4BF2-BF44-9FE2-0AB34705D650}" type="datetimeFigureOut">
               <a:rPr kumimoji="1" lang="zh-CN" altLang="en-US" smtClean="0"/>
-              <a:t>2018/4/19</a:t>
+              <a:t>2018/4/26</a:t>
             </a:fld>
             <a:endParaRPr kumimoji="1" lang="zh-CN" altLang="en-US"/>
           </a:p>
@@ -3142,7 +3210,7 @@
           <a:lstStyle/>
           <a:p>
             <a:r>
-              <a:rPr kumimoji="1" lang="en-US" altLang="zh-CN" smtClean="0"/>
+              <a:rPr kumimoji="1" lang="en-US" altLang="zh-CN"/>
               <a:t>Click to edit Master title style</a:t>
             </a:r>
             <a:endParaRPr kumimoji="1" lang="zh-CN" altLang="en-US"/>
@@ -3166,7 +3234,7 @@
           <a:p>
             <a:fld id="{0A7D2CB8-4BF2-BF44-9FE2-0AB34705D650}" type="datetimeFigureOut">
               <a:rPr kumimoji="1" lang="zh-CN" altLang="en-US" smtClean="0"/>
-              <a:t>2018/4/19</a:t>
+              <a:t>2018/4/26</a:t>
             </a:fld>
             <a:endParaRPr kumimoji="1" lang="zh-CN" altLang="en-US"/>
           </a:p>
@@ -3261,7 +3329,7 @@
           <a:p>
             <a:fld id="{0A7D2CB8-4BF2-BF44-9FE2-0AB34705D650}" type="datetimeFigureOut">
               <a:rPr kumimoji="1" lang="zh-CN" altLang="en-US" smtClean="0"/>
-              <a:t>2018/4/19</a:t>
+              <a:t>2018/4/26</a:t>
             </a:fld>
             <a:endParaRPr kumimoji="1" lang="zh-CN" altLang="en-US"/>
           </a:p>
@@ -3364,7 +3432,7 @@
           </a:lstStyle>
           <a:p>
             <a:r>
-              <a:rPr kumimoji="1" lang="en-US" altLang="zh-CN" smtClean="0"/>
+              <a:rPr kumimoji="1" lang="en-US" altLang="zh-CN"/>
               <a:t>Click to edit Master title style</a:t>
             </a:r>
             <a:endParaRPr kumimoji="1" lang="zh-CN" altLang="en-US"/>
@@ -3421,35 +3489,35 @@
           <a:p>
             <a:pPr lvl="0"/>
             <a:r>
-              <a:rPr kumimoji="1" lang="en-US" altLang="zh-CN" smtClean="0"/>
+              <a:rPr kumimoji="1" lang="en-US" altLang="zh-CN"/>
               <a:t>Click to edit Master text styles</a:t>
             </a:r>
           </a:p>
           <a:p>
             <a:pPr lvl="1"/>
             <a:r>
-              <a:rPr kumimoji="1" lang="en-US" altLang="zh-CN" smtClean="0"/>
+              <a:rPr kumimoji="1" lang="en-US" altLang="zh-CN"/>
               <a:t>Second level</a:t>
             </a:r>
           </a:p>
           <a:p>
             <a:pPr lvl="2"/>
             <a:r>
-              <a:rPr kumimoji="1" lang="en-US" altLang="zh-CN" smtClean="0"/>
+              <a:rPr kumimoji="1" lang="en-US" altLang="zh-CN"/>
               <a:t>Third level</a:t>
             </a:r>
           </a:p>
           <a:p>
             <a:pPr lvl="3"/>
             <a:r>
-              <a:rPr kumimoji="1" lang="en-US" altLang="zh-CN" smtClean="0"/>
+              <a:rPr kumimoji="1" lang="en-US" altLang="zh-CN"/>
               <a:t>Fourth level</a:t>
             </a:r>
           </a:p>
           <a:p>
             <a:pPr lvl="4"/>
             <a:r>
-              <a:rPr kumimoji="1" lang="en-US" altLang="zh-CN" smtClean="0"/>
+              <a:rPr kumimoji="1" lang="en-US" altLang="zh-CN"/>
               <a:t>Fifth level</a:t>
             </a:r>
             <a:endParaRPr kumimoji="1" lang="zh-CN" altLang="en-US"/>
@@ -3515,7 +3583,7 @@
           <a:p>
             <a:pPr lvl="0"/>
             <a:r>
-              <a:rPr kumimoji="1" lang="en-US" altLang="zh-CN" smtClean="0"/>
+              <a:rPr kumimoji="1" lang="en-US" altLang="zh-CN"/>
               <a:t>Click to edit Master text styles</a:t>
             </a:r>
           </a:p>
@@ -3538,7 +3606,7 @@
           <a:p>
             <a:fld id="{0A7D2CB8-4BF2-BF44-9FE2-0AB34705D650}" type="datetimeFigureOut">
               <a:rPr kumimoji="1" lang="zh-CN" altLang="en-US" smtClean="0"/>
-              <a:t>2018/4/19</a:t>
+              <a:t>2018/4/26</a:t>
             </a:fld>
             <a:endParaRPr kumimoji="1" lang="zh-CN" altLang="en-US"/>
           </a:p>
@@ -3641,7 +3709,7 @@
           </a:lstStyle>
           <a:p>
             <a:r>
-              <a:rPr kumimoji="1" lang="en-US" altLang="zh-CN" smtClean="0"/>
+              <a:rPr kumimoji="1" lang="en-US" altLang="zh-CN"/>
               <a:t>Click to edit Master title style</a:t>
             </a:r>
             <a:endParaRPr kumimoji="1" lang="zh-CN" altLang="en-US"/>
@@ -3768,7 +3836,7 @@
           <a:p>
             <a:pPr lvl="0"/>
             <a:r>
-              <a:rPr kumimoji="1" lang="en-US" altLang="zh-CN" smtClean="0"/>
+              <a:rPr kumimoji="1" lang="en-US" altLang="zh-CN"/>
               <a:t>Click to edit Master text styles</a:t>
             </a:r>
           </a:p>
@@ -3791,7 +3859,7 @@
           <a:p>
             <a:fld id="{0A7D2CB8-4BF2-BF44-9FE2-0AB34705D650}" type="datetimeFigureOut">
               <a:rPr kumimoji="1" lang="zh-CN" altLang="en-US" smtClean="0"/>
-              <a:t>2018/4/19</a:t>
+              <a:t>2018/4/26</a:t>
             </a:fld>
             <a:endParaRPr kumimoji="1" lang="zh-CN" altLang="en-US"/>
           </a:p>
@@ -3900,7 +3968,7 @@
           <a:lstStyle/>
           <a:p>
             <a:r>
-              <a:rPr kumimoji="1" lang="en-US" altLang="zh-CN" smtClean="0"/>
+              <a:rPr kumimoji="1" lang="en-US" altLang="zh-CN"/>
               <a:t>Click to edit Master title style</a:t>
             </a:r>
             <a:endParaRPr kumimoji="1" lang="zh-CN" altLang="en-US"/>
@@ -3934,35 +4002,35 @@
           <a:p>
             <a:pPr lvl="0"/>
             <a:r>
-              <a:rPr kumimoji="1" lang="en-US" altLang="zh-CN" smtClean="0"/>
+              <a:rPr kumimoji="1" lang="en-US" altLang="zh-CN"/>
               <a:t>Click to edit Master text styles</a:t>
             </a:r>
           </a:p>
           <a:p>
             <a:pPr lvl="1"/>
             <a:r>
-              <a:rPr kumimoji="1" lang="en-US" altLang="zh-CN" smtClean="0"/>
+              <a:rPr kumimoji="1" lang="en-US" altLang="zh-CN"/>
               <a:t>Second level</a:t>
             </a:r>
           </a:p>
           <a:p>
             <a:pPr lvl="2"/>
             <a:r>
-              <a:rPr kumimoji="1" lang="en-US" altLang="zh-CN" smtClean="0"/>
+              <a:rPr kumimoji="1" lang="en-US" altLang="zh-CN"/>
               <a:t>Third level</a:t>
             </a:r>
           </a:p>
           <a:p>
             <a:pPr lvl="3"/>
             <a:r>
-              <a:rPr kumimoji="1" lang="en-US" altLang="zh-CN" smtClean="0"/>
+              <a:rPr kumimoji="1" lang="en-US" altLang="zh-CN"/>
               <a:t>Fourth level</a:t>
             </a:r>
           </a:p>
           <a:p>
             <a:pPr lvl="4"/>
             <a:r>
-              <a:rPr kumimoji="1" lang="en-US" altLang="zh-CN" smtClean="0"/>
+              <a:rPr kumimoji="1" lang="en-US" altLang="zh-CN"/>
               <a:t>Fifth level</a:t>
             </a:r>
             <a:endParaRPr kumimoji="1" lang="zh-CN" altLang="en-US"/>
@@ -4004,7 +4072,7 @@
           <a:p>
             <a:fld id="{0A7D2CB8-4BF2-BF44-9FE2-0AB34705D650}" type="datetimeFigureOut">
               <a:rPr kumimoji="1" lang="zh-CN" altLang="en-US" smtClean="0"/>
-              <a:t>2018/4/19</a:t>
+              <a:t>2018/4/26</a:t>
             </a:fld>
             <a:endParaRPr kumimoji="1" lang="zh-CN" altLang="en-US"/>
           </a:p>
@@ -4481,7 +4549,7 @@
           <a:lstStyle/>
           <a:p>
             <a:r>
-              <a:rPr lang="zh-CN" altLang="en-US" b="1" dirty="0" smtClean="0">
+              <a:rPr lang="zh-CN" altLang="en-US" b="1" dirty="0">
                 <a:solidFill>
                   <a:schemeClr val="bg1"/>
                 </a:solidFill>
@@ -4491,14 +4559,6 @@
               </a:rPr>
               <a:t>计算机图形学</a:t>
             </a:r>
-            <a:endParaRPr lang="zh-CN" altLang="en-US" b="1" dirty="0">
-              <a:solidFill>
-                <a:schemeClr val="bg1"/>
-              </a:solidFill>
-              <a:latin typeface="Microsoft YaHei" charset="-122"/>
-              <a:ea typeface="Microsoft YaHei" charset="-122"/>
-              <a:cs typeface="Microsoft YaHei" charset="-122"/>
-            </a:endParaRPr>
           </a:p>
         </p:txBody>
       </p:sp>
@@ -4528,7 +4588,7 @@
           <a:lstStyle/>
           <a:p>
             <a:r>
-              <a:rPr lang="zh-CN" altLang="en-US" b="1" dirty="0" smtClean="0">
+              <a:rPr lang="zh-CN" altLang="en-US" b="1" dirty="0">
                 <a:solidFill>
                   <a:srgbClr val="4F5061"/>
                 </a:solidFill>
@@ -4538,14 +4598,6 @@
               </a:rPr>
               <a:t>期末项目</a:t>
             </a:r>
-            <a:endParaRPr lang="zh-CN" altLang="en-US" b="1" dirty="0">
-              <a:solidFill>
-                <a:srgbClr val="4F5061"/>
-              </a:solidFill>
-              <a:latin typeface="Microsoft YaHei" charset="-122"/>
-              <a:ea typeface="Microsoft YaHei" charset="-122"/>
-              <a:cs typeface="Microsoft YaHei" charset="-122"/>
-            </a:endParaRPr>
           </a:p>
         </p:txBody>
       </p:sp>
@@ -4573,7 +4625,7 @@
           <a:p>
             <a:pPr algn="ctr"/>
             <a:r>
-              <a:rPr kumimoji="1" lang="en-US" altLang="zh-CN" sz="3600" b="1" dirty="0" smtClean="0">
+              <a:rPr kumimoji="1" lang="en-US" altLang="zh-CN" sz="3600" b="1" dirty="0">
                 <a:solidFill>
                   <a:srgbClr val="4F5061"/>
                 </a:solidFill>
@@ -4634,13 +4686,6 @@
   <p:clrMapOvr>
     <a:masterClrMapping/>
   </p:clrMapOvr>
-  <p:timing>
-    <p:tnLst>
-      <p:par>
-        <p:cTn id="1" dur="indefinite" restart="never" nodeType="tmRoot"/>
-      </p:par>
-    </p:tnLst>
-  </p:timing>
 </p:sld>
 </file>
 
@@ -4700,7 +4745,7 @@
           <a:p>
             <a:pPr algn="ctr"/>
             <a:r>
-              <a:rPr kumimoji="1" lang="zh-CN" altLang="en-US" sz="4400" b="1" dirty="0" smtClean="0">
+              <a:rPr kumimoji="1" lang="zh-CN" altLang="en-US" sz="4400" b="1" dirty="0">
                 <a:solidFill>
                   <a:schemeClr val="bg1"/>
                 </a:solidFill>
@@ -4710,7 +4755,7 @@
               </a:rPr>
               <a:t>当前进度</a:t>
             </a:r>
-            <a:endParaRPr kumimoji="1" lang="en-US" altLang="zh-CN" sz="2400" dirty="0" smtClean="0">
+            <a:endParaRPr kumimoji="1" lang="en-US" altLang="zh-CN" sz="2400" dirty="0">
               <a:solidFill>
                 <a:srgbClr val="BDBDBD"/>
               </a:solidFill>
@@ -4747,7 +4792,7 @@
           <a:p>
             <a:pPr algn="ctr"/>
             <a:r>
-              <a:rPr kumimoji="1" lang="zh-CN" altLang="en-US" sz="2400" b="1" dirty="0" smtClean="0">
+              <a:rPr kumimoji="1" lang="zh-CN" altLang="en-US" sz="2400" b="1" dirty="0">
                 <a:solidFill>
                   <a:srgbClr val="FFFEEF"/>
                 </a:solidFill>
@@ -4757,14 +4802,6 @@
               </a:rPr>
               <a:t>刚开始呢</a:t>
             </a:r>
-            <a:endParaRPr kumimoji="1" lang="zh-CN" altLang="en-US" sz="2400" b="1" dirty="0">
-              <a:solidFill>
-                <a:srgbClr val="FFFEEF"/>
-              </a:solidFill>
-              <a:latin typeface="Microsoft YaHei" charset="-122"/>
-              <a:ea typeface="Microsoft YaHei" charset="-122"/>
-              <a:cs typeface="Microsoft YaHei" charset="-122"/>
-            </a:endParaRPr>
           </a:p>
         </p:txBody>
       </p:sp>
@@ -4781,13 +4818,6 @@
   <p:transition spd="slow">
     <p:push dir="u"/>
   </p:transition>
-  <p:timing>
-    <p:tnLst>
-      <p:par>
-        <p:cTn id="1" dur="indefinite" restart="never" nodeType="tmRoot"/>
-      </p:par>
-    </p:tnLst>
-  </p:timing>
 </p:sld>
 </file>
 
@@ -4816,6 +4846,104 @@
           <a:chExt cx="0" cy="0"/>
         </a:xfrm>
       </p:grpSpPr>
+      <p:pic>
+        <p:nvPicPr>
+          <p:cNvPr id="5" name="图片 4">
+            <a:extLst>
+              <a:ext uri="{FF2B5EF4-FFF2-40B4-BE49-F238E27FC236}">
+                <a16:creationId xmlns:a16="http://schemas.microsoft.com/office/drawing/2014/main" id="{1FF11887-E47A-43E7-A235-3DE35CA340D6}"/>
+              </a:ext>
+            </a:extLst>
+          </p:cNvPr>
+          <p:cNvPicPr>
+            <a:picLocks noChangeAspect="1"/>
+          </p:cNvPicPr>
+          <p:nvPr/>
+        </p:nvPicPr>
+        <p:blipFill>
+          <a:blip r:embed="rId3"/>
+          <a:stretch>
+            <a:fillRect/>
+          </a:stretch>
+        </p:blipFill>
+        <p:spPr>
+          <a:xfrm>
+            <a:off x="0" y="0"/>
+            <a:ext cx="3557016" cy="6858000"/>
+          </a:xfrm>
+          <a:prstGeom prst="rect">
+            <a:avLst/>
+          </a:prstGeom>
+        </p:spPr>
+      </p:pic>
+      <p:pic>
+        <p:nvPicPr>
+          <p:cNvPr id="6" name="图片 5">
+            <a:extLst>
+              <a:ext uri="{FF2B5EF4-FFF2-40B4-BE49-F238E27FC236}">
+                <a16:creationId xmlns:a16="http://schemas.microsoft.com/office/drawing/2014/main" id="{5822A4C8-38DA-4EFF-B186-84E3DF2CCEE2}"/>
+              </a:ext>
+            </a:extLst>
+          </p:cNvPr>
+          <p:cNvPicPr>
+            <a:picLocks noChangeAspect="1"/>
+          </p:cNvPicPr>
+          <p:nvPr/>
+        </p:nvPicPr>
+        <p:blipFill>
+          <a:blip r:embed="rId4"/>
+          <a:stretch>
+            <a:fillRect/>
+          </a:stretch>
+        </p:blipFill>
+        <p:spPr>
+          <a:xfrm>
+            <a:off x="1890639" y="0"/>
+            <a:ext cx="7253361" cy="6858000"/>
+          </a:xfrm>
+          <a:prstGeom prst="rect">
+            <a:avLst/>
+          </a:prstGeom>
+        </p:spPr>
+      </p:pic>
+    </p:spTree>
+    <p:extLst>
+      <p:ext uri="{BB962C8B-B14F-4D97-AF65-F5344CB8AC3E}">
+        <p14:creationId xmlns:p14="http://schemas.microsoft.com/office/powerpoint/2010/main" val="2081606824"/>
+      </p:ext>
+    </p:extLst>
+  </p:cSld>
+  <p:clrMapOvr>
+    <a:masterClrMapping/>
+  </p:clrMapOvr>
+</p:sld>
+</file>
+
+<file path=ppt/slides/slide12.xml><?xml version="1.0" encoding="utf-8"?>
+<p:sld xmlns:a="http://schemas.openxmlformats.org/drawingml/2006/main" xmlns:r="http://schemas.openxmlformats.org/officeDocument/2006/relationships" xmlns:p="http://schemas.openxmlformats.org/presentationml/2006/main">
+  <p:cSld>
+    <p:bg>
+      <p:bgPr>
+        <a:solidFill>
+          <a:srgbClr val="4F5061"/>
+        </a:solidFill>
+        <a:effectLst/>
+      </p:bgPr>
+    </p:bg>
+    <p:spTree>
+      <p:nvGrpSpPr>
+        <p:cNvPr id="1" name=""/>
+        <p:cNvGrpSpPr/>
+        <p:nvPr/>
+      </p:nvGrpSpPr>
+      <p:grpSpPr>
+        <a:xfrm>
+          <a:off x="0" y="0"/>
+          <a:ext cx="0" cy="0"/>
+          <a:chOff x="0" y="0"/>
+          <a:chExt cx="0" cy="0"/>
+        </a:xfrm>
+      </p:grpSpPr>
       <p:sp>
         <p:nvSpPr>
           <p:cNvPr id="4" name="TextBox 3"/>
@@ -4847,7 +4975,7 @@
           <a:p>
             <a:pPr algn="ctr"/>
             <a:r>
-              <a:rPr kumimoji="1" lang="zh-CN" altLang="en-US" sz="4400" b="1" dirty="0" smtClean="0">
+              <a:rPr kumimoji="1" lang="zh-CN" altLang="en-US" sz="4400" b="1" dirty="0">
                 <a:solidFill>
                   <a:schemeClr val="bg1"/>
                 </a:solidFill>
@@ -4857,7 +4985,7 @@
               </a:rPr>
               <a:t>接下来的安排</a:t>
             </a:r>
-            <a:endParaRPr kumimoji="1" lang="en-US" altLang="zh-CN" sz="2400" dirty="0" smtClean="0">
+            <a:endParaRPr kumimoji="1" lang="en-US" altLang="zh-CN" sz="2400" dirty="0">
               <a:solidFill>
                 <a:srgbClr val="BDBDBD"/>
               </a:solidFill>
@@ -4894,7 +5022,7 @@
           <a:p>
             <a:pPr algn="ctr"/>
             <a:r>
-              <a:rPr kumimoji="1" lang="zh-CN" altLang="en-US" sz="2400" b="1" dirty="0" smtClean="0">
+              <a:rPr kumimoji="1" lang="zh-CN" altLang="en-US" sz="2400" b="1" dirty="0">
                 <a:solidFill>
                   <a:srgbClr val="FFFEEF"/>
                 </a:solidFill>
@@ -4904,14 +5032,6 @@
               </a:rPr>
               <a:t>理想状态</a:t>
             </a:r>
-            <a:endParaRPr kumimoji="1" lang="zh-CN" altLang="en-US" sz="2400" b="1" dirty="0">
-              <a:solidFill>
-                <a:srgbClr val="FFFEEF"/>
-              </a:solidFill>
-              <a:latin typeface="Microsoft YaHei" charset="-122"/>
-              <a:ea typeface="Microsoft YaHei" charset="-122"/>
-              <a:cs typeface="Microsoft YaHei" charset="-122"/>
-            </a:endParaRPr>
           </a:p>
         </p:txBody>
       </p:sp>
@@ -4928,13 +5048,6 @@
   <p:transition spd="slow">
     <p:push dir="u"/>
   </p:transition>
-  <p:timing>
-    <p:tnLst>
-      <p:par>
-        <p:cTn id="1" dur="indefinite" restart="never" nodeType="tmRoot"/>
-      </p:par>
-    </p:tnLst>
-  </p:timing>
 </p:sld>
 </file>
 
@@ -4993,7 +5106,7 @@
           <a:lstStyle/>
           <a:p>
             <a:pPr algn="ctr"/>
-            <a:endParaRPr kumimoji="1" lang="en-US" altLang="zh-CN" sz="2400" dirty="0" smtClean="0">
+            <a:endParaRPr kumimoji="1" lang="en-US" altLang="zh-CN" sz="2400" dirty="0">
               <a:solidFill>
                 <a:srgbClr val="BDBDBD"/>
               </a:solidFill>
@@ -5005,7 +5118,7 @@
           <a:p>
             <a:pPr algn="ctr"/>
             <a:r>
-              <a:rPr kumimoji="1" lang="zh-CN" altLang="en-US" sz="4400" b="1" dirty="0" smtClean="0">
+              <a:rPr kumimoji="1" lang="zh-CN" altLang="en-US" sz="4400" b="1" dirty="0">
                 <a:solidFill>
                   <a:schemeClr val="bg1"/>
                 </a:solidFill>
@@ -5015,14 +5128,6 @@
               </a:rPr>
               <a:t>项目介绍</a:t>
             </a:r>
-            <a:endParaRPr kumimoji="1" lang="zh-CN" altLang="en-US" sz="4400" b="1" dirty="0">
-              <a:solidFill>
-                <a:schemeClr val="bg1"/>
-              </a:solidFill>
-              <a:latin typeface="Microsoft YaHei" charset="-122"/>
-              <a:ea typeface="Microsoft YaHei" charset="-122"/>
-              <a:cs typeface="Microsoft YaHei" charset="-122"/>
-            </a:endParaRPr>
           </a:p>
         </p:txBody>
       </p:sp>
@@ -5052,7 +5157,7 @@
           <a:p>
             <a:pPr algn="ctr"/>
             <a:r>
-              <a:rPr kumimoji="1" lang="zh-CN" altLang="en-US" sz="2400" b="1" smtClean="0">
+              <a:rPr kumimoji="1" lang="zh-CN" altLang="en-US" sz="2400" b="1">
                 <a:solidFill>
                   <a:srgbClr val="FFFEEF"/>
                 </a:solidFill>
@@ -5063,7 +5168,7 @@
               <a:t>我们的</a:t>
             </a:r>
             <a:r>
-              <a:rPr kumimoji="1" lang="zh-CN" altLang="en-US" sz="2400" b="1" dirty="0" smtClean="0">
+              <a:rPr kumimoji="1" lang="zh-CN" altLang="en-US" sz="2400" b="1" dirty="0">
                 <a:solidFill>
                   <a:srgbClr val="FFFEEF"/>
                 </a:solidFill>
@@ -5073,14 +5178,6 @@
               </a:rPr>
               <a:t>目标</a:t>
             </a:r>
-            <a:endParaRPr kumimoji="1" lang="zh-CN" altLang="en-US" sz="2400" b="1" dirty="0">
-              <a:solidFill>
-                <a:srgbClr val="FFFEEF"/>
-              </a:solidFill>
-              <a:latin typeface="Microsoft YaHei" charset="-122"/>
-              <a:ea typeface="Microsoft YaHei" charset="-122"/>
-              <a:cs typeface="Microsoft YaHei" charset="-122"/>
-            </a:endParaRPr>
           </a:p>
         </p:txBody>
       </p:sp>
@@ -5097,13 +5194,6 @@
   <p:transition spd="slow">
     <p:push dir="u"/>
   </p:transition>
-  <p:timing>
-    <p:tnLst>
-      <p:par>
-        <p:cTn id="1" dur="indefinite" restart="never" nodeType="tmRoot"/>
-      </p:par>
-    </p:tnLst>
-  </p:timing>
 </p:sld>
 </file>
 
@@ -5160,13 +5250,6 @@
       </p:transition>
     </mc:Fallback>
   </mc:AlternateContent>
-  <p:timing>
-    <p:tnLst>
-      <p:par>
-        <p:cTn id="1" dur="indefinite" restart="never" nodeType="tmRoot"/>
-      </p:par>
-    </p:tnLst>
-  </p:timing>
 </p:sld>
 </file>
 
@@ -5217,7 +5300,7 @@
           <a:lstStyle/>
           <a:p>
             <a:r>
-              <a:rPr lang="en-US" altLang="zh-CN" sz="4000" b="1" smtClean="0">
+              <a:rPr lang="en-US" altLang="zh-CN" sz="4000" b="1">
                 <a:solidFill>
                   <a:schemeClr val="bg1"/>
                 </a:solidFill>
@@ -5253,13 +5336,6 @@
       </p:transition>
     </mc:Fallback>
   </mc:AlternateContent>
-  <p:timing>
-    <p:tnLst>
-      <p:par>
-        <p:cTn id="1" dur="indefinite" restart="never" nodeType="tmRoot"/>
-      </p:par>
-    </p:tnLst>
-  </p:timing>
 </p:sld>
 </file>
 
@@ -5316,13 +5392,6 @@
       </p:transition>
     </mc:Fallback>
   </mc:AlternateContent>
-  <p:timing>
-    <p:tnLst>
-      <p:par>
-        <p:cTn id="1" dur="indefinite" restart="never" nodeType="tmRoot"/>
-      </p:par>
-    </p:tnLst>
-  </p:timing>
 </p:sld>
 </file>
 
@@ -5379,13 +5448,6 @@
       </p:transition>
     </mc:Fallback>
   </mc:AlternateContent>
-  <p:timing>
-    <p:tnLst>
-      <p:par>
-        <p:cTn id="1" dur="indefinite" restart="never" nodeType="tmRoot"/>
-      </p:par>
-    </p:tnLst>
-  </p:timing>
 </p:sld>
 </file>
 
@@ -5442,13 +5504,6 @@
       </p:transition>
     </mc:Fallback>
   </mc:AlternateContent>
-  <p:timing>
-    <p:tnLst>
-      <p:par>
-        <p:cTn id="1" dur="indefinite" restart="never" nodeType="tmRoot"/>
-      </p:par>
-    </p:tnLst>
-  </p:timing>
 </p:sld>
 </file>
 
@@ -5508,7 +5563,7 @@
           <a:p>
             <a:pPr algn="ctr"/>
             <a:r>
-              <a:rPr kumimoji="1" lang="zh-CN" altLang="en-US" sz="4400" b="1" dirty="0" smtClean="0">
+              <a:rPr kumimoji="1" lang="zh-CN" altLang="en-US" sz="4400" b="1" dirty="0">
                 <a:solidFill>
                   <a:schemeClr val="bg1"/>
                 </a:solidFill>
@@ -5518,7 +5573,7 @@
               </a:rPr>
               <a:t>成员分工</a:t>
             </a:r>
-            <a:endParaRPr kumimoji="1" lang="en-US" altLang="zh-CN" sz="2400" dirty="0" smtClean="0">
+            <a:endParaRPr kumimoji="1" lang="en-US" altLang="zh-CN" sz="2400" dirty="0">
               <a:solidFill>
                 <a:srgbClr val="BDBDBD"/>
               </a:solidFill>
@@ -5555,7 +5610,7 @@
           <a:p>
             <a:pPr algn="ctr"/>
             <a:r>
-              <a:rPr kumimoji="1" lang="en-US" altLang="zh-CN" sz="2400" b="1" dirty="0" smtClean="0">
+              <a:rPr kumimoji="1" lang="en-US" altLang="zh-CN" sz="2400" b="1" dirty="0">
                 <a:solidFill>
                   <a:srgbClr val="FFFEEF"/>
                 </a:solidFill>
@@ -5566,7 +5621,7 @@
               <a:t>CG</a:t>
             </a:r>
             <a:r>
-              <a:rPr kumimoji="1" lang="zh-CN" altLang="en-US" sz="2400" b="1" dirty="0" smtClean="0">
+              <a:rPr kumimoji="1" lang="zh-CN" altLang="en-US" sz="2400" b="1" dirty="0">
                 <a:solidFill>
                   <a:srgbClr val="FFFEEF"/>
                 </a:solidFill>
@@ -5576,14 +5631,6 @@
               </a:rPr>
               <a:t>五人小队</a:t>
             </a:r>
-            <a:endParaRPr kumimoji="1" lang="zh-CN" altLang="en-US" sz="2400" b="1" dirty="0">
-              <a:solidFill>
-                <a:srgbClr val="FFFEEF"/>
-              </a:solidFill>
-              <a:latin typeface="Microsoft YaHei" charset="-122"/>
-              <a:ea typeface="Microsoft YaHei" charset="-122"/>
-              <a:cs typeface="Microsoft YaHei" charset="-122"/>
-            </a:endParaRPr>
           </a:p>
         </p:txBody>
       </p:sp>
@@ -5609,13 +5656,6 @@
       </p:transition>
     </mc:Fallback>
   </mc:AlternateContent>
-  <p:timing>
-    <p:tnLst>
-      <p:par>
-        <p:cTn id="1" dur="indefinite" restart="never" nodeType="tmRoot"/>
-      </p:par>
-    </p:tnLst>
-  </p:timing>
 </p:sld>
 </file>
 
@@ -5675,27 +5715,8 @@
                 <a:ea typeface="Microsoft YaHei" charset="-122"/>
                 <a:cs typeface="Microsoft YaHei" charset="-122"/>
               </a:rPr>
-              <a:t>团队</a:t>
-            </a:r>
-            <a:r>
-              <a:rPr kumimoji="1" lang="zh-CN" altLang="en-US" b="1" dirty="0" smtClean="0">
-                <a:solidFill>
-                  <a:schemeClr val="bg1"/>
-                </a:solidFill>
-                <a:latin typeface="Microsoft YaHei" charset="-122"/>
-                <a:ea typeface="Microsoft YaHei" charset="-122"/>
-                <a:cs typeface="Microsoft YaHei" charset="-122"/>
-              </a:rPr>
-              <a:t>成员及当前分工</a:t>
-            </a:r>
-            <a:endParaRPr kumimoji="1" lang="zh-CN" altLang="en-US" b="1" dirty="0">
-              <a:solidFill>
-                <a:schemeClr val="bg1"/>
-              </a:solidFill>
-              <a:latin typeface="Microsoft YaHei" charset="-122"/>
-              <a:ea typeface="Microsoft YaHei" charset="-122"/>
-              <a:cs typeface="Microsoft YaHei" charset="-122"/>
-            </a:endParaRPr>
+              <a:t>团队成员及当前分工</a:t>
+            </a:r>
           </a:p>
         </p:txBody>
       </p:sp>
@@ -5737,7 +5758,7 @@
             <a:p>
               <a:pPr algn="ctr"/>
               <a:r>
-                <a:rPr kumimoji="1" lang="en-US" altLang="zh-CN" sz="1200" b="1" dirty="0" smtClean="0">
+                <a:rPr kumimoji="1" lang="en-US" altLang="zh-CN" sz="1200" b="1" dirty="0">
                   <a:solidFill>
                     <a:srgbClr val="FFFFFF"/>
                   </a:solidFill>
@@ -6180,10 +6201,10 @@
         </p:nvGrpSpPr>
         <p:grpSpPr>
           <a:xfrm>
-            <a:off x="119628" y="3303921"/>
-            <a:ext cx="8908308" cy="2194126"/>
-            <a:chOff x="119628" y="3303921"/>
-            <a:chExt cx="8908308" cy="2194126"/>
+            <a:off x="210230" y="3303921"/>
+            <a:ext cx="8817706" cy="2194126"/>
+            <a:chOff x="210230" y="3303921"/>
+            <a:chExt cx="8817706" cy="2194126"/>
           </a:xfrm>
         </p:grpSpPr>
         <p:sp>
@@ -6209,7 +6230,7 @@
             <a:lstStyle/>
             <a:p>
               <a:r>
-                <a:rPr kumimoji="1" lang="zh-CN" altLang="en-US" dirty="0" smtClean="0">
+                <a:rPr kumimoji="1" lang="zh-CN" altLang="en-US" dirty="0">
                   <a:solidFill>
                     <a:srgbClr val="FFFFFF"/>
                   </a:solidFill>
@@ -6219,14 +6240,6 @@
                 </a:rPr>
                 <a:t>吴博文</a:t>
               </a:r>
-              <a:endParaRPr kumimoji="1" lang="zh-CN" altLang="en-US" dirty="0">
-                <a:solidFill>
-                  <a:srgbClr val="FFFFFF"/>
-                </a:solidFill>
-                <a:latin typeface="Microsoft YaHei" charset="-122"/>
-                <a:ea typeface="Microsoft YaHei" charset="-122"/>
-                <a:cs typeface="Microsoft YaHei" charset="-122"/>
-              </a:endParaRPr>
             </a:p>
           </p:txBody>
         </p:sp>
@@ -6255,7 +6268,7 @@
             <a:lstStyle/>
             <a:p>
               <a:r>
-                <a:rPr kumimoji="1" lang="en-US" altLang="zh-CN" sz="1400" b="1" dirty="0" smtClean="0">
+                <a:rPr kumimoji="1" lang="en-US" altLang="zh-CN" sz="1400" b="1" dirty="0">
                   <a:solidFill>
                     <a:schemeClr val="bg1"/>
                   </a:solidFill>
@@ -6299,7 +6312,7 @@
             <a:lstStyle/>
             <a:p>
               <a:r>
-                <a:rPr kumimoji="1" lang="zh-CN" altLang="en-US" dirty="0" smtClean="0">
+                <a:rPr kumimoji="1" lang="zh-CN" altLang="en-US" dirty="0">
                   <a:solidFill>
                     <a:srgbClr val="FFFFFF"/>
                   </a:solidFill>
@@ -6309,14 +6322,6 @@
                 </a:rPr>
                 <a:t>徐海洋</a:t>
               </a:r>
-              <a:endParaRPr kumimoji="1" lang="zh-CN" altLang="en-US" dirty="0">
-                <a:solidFill>
-                  <a:srgbClr val="FFFFFF"/>
-                </a:solidFill>
-                <a:latin typeface="Microsoft YaHei" charset="-122"/>
-                <a:ea typeface="Microsoft YaHei" charset="-122"/>
-                <a:cs typeface="Microsoft YaHei" charset="-122"/>
-              </a:endParaRPr>
             </a:p>
           </p:txBody>
         </p:sp>
@@ -6345,7 +6350,7 @@
             <a:lstStyle/>
             <a:p>
               <a:r>
-                <a:rPr kumimoji="1" lang="en-US" altLang="zh-CN" sz="1400" b="1" dirty="0" smtClean="0">
+                <a:rPr kumimoji="1" lang="en-US" altLang="zh-CN" sz="1400" b="1" dirty="0">
                   <a:solidFill>
                     <a:schemeClr val="bg1"/>
                   </a:solidFill>
@@ -6389,7 +6394,7 @@
             <a:lstStyle/>
             <a:p>
               <a:r>
-                <a:rPr kumimoji="1" lang="zh-CN" altLang="en-US" dirty="0" smtClean="0">
+                <a:rPr kumimoji="1" lang="zh-CN" altLang="en-US" dirty="0">
                   <a:solidFill>
                     <a:srgbClr val="FFFFFF"/>
                   </a:solidFill>
@@ -6399,14 +6404,6 @@
                 </a:rPr>
                 <a:t>罗剑杰</a:t>
               </a:r>
-              <a:endParaRPr kumimoji="1" lang="zh-CN" altLang="en-US" dirty="0">
-                <a:solidFill>
-                  <a:srgbClr val="FFFFFF"/>
-                </a:solidFill>
-                <a:latin typeface="Microsoft YaHei" charset="-122"/>
-                <a:ea typeface="Microsoft YaHei" charset="-122"/>
-                <a:cs typeface="Microsoft YaHei" charset="-122"/>
-              </a:endParaRPr>
             </a:p>
           </p:txBody>
         </p:sp>
@@ -6435,7 +6432,7 @@
             <a:lstStyle/>
             <a:p>
               <a:r>
-                <a:rPr kumimoji="1" lang="en-US" altLang="zh-CN" sz="1400" b="1" dirty="0" smtClean="0">
+                <a:rPr kumimoji="1" lang="en-US" altLang="zh-CN" sz="1400" b="1" dirty="0">
                   <a:solidFill>
                     <a:schemeClr val="bg1"/>
                   </a:solidFill>
@@ -6480,14 +6477,14 @@
             <a:p>
               <a:pPr algn="ctr"/>
               <a:r>
-                <a:rPr kumimoji="1" lang="zh-CN" altLang="en-US" dirty="0" smtClean="0">
+                <a:rPr kumimoji="1" lang="zh-CN" altLang="en-US" dirty="0">
                   <a:solidFill>
                     <a:schemeClr val="bg1"/>
                   </a:solidFill>
                 </a:rPr>
                 <a:t>仓库创建</a:t>
               </a:r>
-              <a:endParaRPr kumimoji="1" lang="en-US" altLang="zh-CN" dirty="0" smtClean="0">
+              <a:endParaRPr kumimoji="1" lang="en-US" altLang="zh-CN" dirty="0">
                 <a:solidFill>
                   <a:schemeClr val="bg1"/>
                 </a:solidFill>
@@ -6496,7 +6493,7 @@
             <a:p>
               <a:pPr algn="ctr"/>
               <a:r>
-                <a:rPr kumimoji="1" lang="en-US" altLang="zh-CN" dirty="0" err="1" smtClean="0">
+                <a:rPr kumimoji="1" lang="en-US" altLang="zh-CN" dirty="0" err="1">
                   <a:solidFill>
                     <a:schemeClr val="bg1"/>
                   </a:solidFill>
@@ -6504,7 +6501,7 @@
                 <a:t>Cmake</a:t>
               </a:r>
               <a:r>
-                <a:rPr kumimoji="1" lang="zh-CN" altLang="en-US" dirty="0" smtClean="0">
+                <a:rPr kumimoji="1" lang="zh-CN" altLang="en-US" dirty="0">
                   <a:solidFill>
                     <a:schemeClr val="bg1"/>
                   </a:solidFill>
@@ -6580,7 +6577,7 @@
             <a:lstStyle/>
             <a:p>
               <a:r>
-                <a:rPr kumimoji="1" lang="en-US" altLang="zh-CN" sz="1400" b="1" dirty="0" smtClean="0">
+                <a:rPr kumimoji="1" lang="en-US" altLang="zh-CN" sz="1400" b="1" dirty="0">
                   <a:solidFill>
                     <a:schemeClr val="bg1"/>
                   </a:solidFill>
@@ -6609,7 +6606,7 @@
           </p:nvSpPr>
           <p:spPr>
             <a:xfrm>
-              <a:off x="119628" y="4008018"/>
+              <a:off x="210230" y="4066885"/>
               <a:ext cx="1498600" cy="1200329"/>
             </a:xfrm>
             <a:prstGeom prst="rect">
@@ -6624,20 +6621,12 @@
             <a:lstStyle/>
             <a:p>
               <a:r>
-                <a:rPr kumimoji="1" lang="zh-CN" altLang="en-US" dirty="0" smtClean="0">
+                <a:rPr kumimoji="1" lang="zh-CN" altLang="en-US" dirty="0">
                   <a:solidFill>
                     <a:schemeClr val="bg1"/>
                   </a:solidFill>
                 </a:rPr>
-                <a:t>把已完成作业所用到</a:t>
-              </a:r>
-              <a:r>
-                <a:rPr kumimoji="1" lang="zh-CN" altLang="en-US" smtClean="0">
-                  <a:solidFill>
-                    <a:schemeClr val="bg1"/>
-                  </a:solidFill>
-                </a:rPr>
-                <a:t>的技术整合到本次项目中</a:t>
+                <a:t>把已完成作业所用到的技术整合到本次项目中</a:t>
               </a:r>
               <a:endParaRPr kumimoji="1" lang="en-US" altLang="zh-CN" dirty="0">
                 <a:solidFill>
@@ -6670,7 +6659,7 @@
             <a:lstStyle/>
             <a:p>
               <a:r>
-                <a:rPr kumimoji="1" lang="zh-CN" altLang="en-US" dirty="0" smtClean="0">
+                <a:rPr kumimoji="1" lang="zh-CN" altLang="en-US" dirty="0">
                   <a:solidFill>
                     <a:srgbClr val="FFFFFF"/>
                   </a:solidFill>
@@ -6680,14 +6669,6 @@
                 </a:rPr>
                 <a:t>邱兆丰</a:t>
               </a:r>
-              <a:endParaRPr kumimoji="1" lang="zh-CN" altLang="en-US" dirty="0">
-                <a:solidFill>
-                  <a:srgbClr val="FFFFFF"/>
-                </a:solidFill>
-                <a:latin typeface="Microsoft YaHei" charset="-122"/>
-                <a:ea typeface="Microsoft YaHei" charset="-122"/>
-                <a:cs typeface="Microsoft YaHei" charset="-122"/>
-              </a:endParaRPr>
             </a:p>
           </p:txBody>
         </p:sp>
@@ -6716,7 +6697,7 @@
             <a:lstStyle/>
             <a:p>
               <a:r>
-                <a:rPr kumimoji="1" lang="en-US" altLang="zh-CN" sz="1400" b="1" dirty="0" smtClean="0">
+                <a:rPr kumimoji="1" lang="en-US" altLang="zh-CN" sz="1400" b="1" dirty="0">
                   <a:solidFill>
                     <a:schemeClr val="bg1"/>
                   </a:solidFill>
@@ -6761,7 +6742,7 @@
             <a:p>
               <a:pPr algn="ctr"/>
               <a:r>
-                <a:rPr kumimoji="1" lang="en-US" altLang="zh-CN" dirty="0" smtClean="0">
+                <a:rPr kumimoji="1" lang="en-US" altLang="zh-CN" dirty="0">
                   <a:solidFill>
                     <a:schemeClr val="bg1"/>
                   </a:solidFill>
@@ -6772,14 +6753,14 @@
             <a:p>
               <a:pPr algn="ctr"/>
               <a:r>
-                <a:rPr kumimoji="1" lang="zh-CN" altLang="en-US" dirty="0" smtClean="0">
+                <a:rPr kumimoji="1" lang="zh-CN" altLang="en-US" dirty="0">
                   <a:solidFill>
                     <a:schemeClr val="bg1"/>
                   </a:solidFill>
                 </a:rPr>
                 <a:t>展示准备</a:t>
               </a:r>
-              <a:endParaRPr kumimoji="1" lang="en-US" altLang="zh-CN" dirty="0" smtClean="0">
+              <a:endParaRPr kumimoji="1" lang="en-US" altLang="zh-CN" dirty="0">
                 <a:solidFill>
                   <a:schemeClr val="bg1"/>
                 </a:solidFill>
@@ -6811,7 +6792,7 @@
             <a:p>
               <a:pPr algn="ctr"/>
               <a:r>
-                <a:rPr kumimoji="1" lang="zh-CN" altLang="en-US" dirty="0" smtClean="0">
+                <a:rPr kumimoji="1" lang="zh-CN" altLang="en-US" dirty="0">
                   <a:solidFill>
                     <a:schemeClr val="bg1"/>
                   </a:solidFill>
@@ -6850,7 +6831,7 @@
             <a:p>
               <a:pPr algn="ctr"/>
               <a:r>
-                <a:rPr kumimoji="1" lang="en-US" altLang="zh-CN" dirty="0" err="1" smtClean="0">
+                <a:rPr kumimoji="1" lang="en-US" altLang="zh-CN" dirty="0" err="1">
                   <a:solidFill>
                     <a:schemeClr val="bg1"/>
                   </a:solidFill>
@@ -6858,7 +6839,7 @@
                 <a:t>Imgui</a:t>
               </a:r>
               <a:r>
-                <a:rPr kumimoji="1" lang="zh-CN" altLang="en-US" dirty="0" smtClean="0">
+                <a:rPr kumimoji="1" lang="zh-CN" altLang="en-US" dirty="0">
                   <a:solidFill>
                     <a:schemeClr val="bg1"/>
                   </a:solidFill>

--- a/docs/cg期中展示ppt.pptx
+++ b/docs/cg期中展示ppt.pptx
@@ -623,6 +623,18 @@
           <a:bodyPr/>
           <a:lstStyle/>
           <a:p>
+            <a:r>
+              <a:rPr lang="zh-CN" altLang="en-US" dirty="0" smtClean="0"/>
+              <a:t>由于组员使用不同的平台开发，所以我们首要任务是实现</a:t>
+            </a:r>
+            <a:r>
+              <a:rPr lang="en-US" altLang="zh-CN" dirty="0" err="1" smtClean="0"/>
+              <a:t>cmake</a:t>
+            </a:r>
+            <a:r>
+              <a:rPr lang="zh-CN" altLang="en-US" dirty="0" smtClean="0"/>
+              <a:t>多平台自动构建，同时构建良好的文件目录结构</a:t>
+            </a:r>
             <a:endParaRPr lang="zh-CN" altLang="en-US" dirty="0"/>
           </a:p>
         </p:txBody>
@@ -903,9 +915,22 @@
           <a:lstStyle/>
           <a:p>
             <a:r>
-              <a:rPr kumimoji="1" lang="zh-CN" altLang="en-US" dirty="0"/>
+              <a:rPr kumimoji="1" lang="zh-CN" altLang="en-US" dirty="0" smtClean="0"/>
               <a:t>这是软件的界面</a:t>
             </a:r>
+            <a:r>
+              <a:rPr kumimoji="1" lang="en-US" altLang="zh-CN" dirty="0" smtClean="0"/>
+              <a:t>,</a:t>
+            </a:r>
+            <a:r>
+              <a:rPr kumimoji="1" lang="en-US" altLang="zh-CN" baseline="0" dirty="0" smtClean="0"/>
+              <a:t> </a:t>
+            </a:r>
+            <a:r>
+              <a:rPr kumimoji="1" lang="zh-CN" altLang="en-US" baseline="0" dirty="0" smtClean="0"/>
+              <a:t>用户可以通过增加、删除方块，改变方块颜色，对称复制等操作创建它们的模型</a:t>
+            </a:r>
+            <a:endParaRPr kumimoji="1" lang="zh-CN" altLang="en-US" dirty="0"/>
           </a:p>
         </p:txBody>
       </p:sp>
@@ -1007,6 +1032,18 @@
               <a:defRPr/>
             </a:pPr>
             <a:r>
+              <a:rPr lang="zh-CN" altLang="en-US" sz="1200" b="0" i="0" u="none" strike="noStrike" kern="1200" dirty="0" smtClean="0">
+                <a:solidFill>
+                  <a:schemeClr val="tx1"/>
+                </a:solidFill>
+                <a:effectLst/>
+                <a:latin typeface="+mn-lt"/>
+                <a:ea typeface="+mn-ea"/>
+                <a:cs typeface="+mn-cs"/>
+              </a:rPr>
+              <a:t>那么先让</a:t>
+            </a:r>
+            <a:r>
               <a:rPr lang="zh-CN" altLang="en-US" sz="1200" b="0" i="0" u="none" strike="noStrike" kern="1200" dirty="0">
                 <a:solidFill>
                   <a:schemeClr val="tx1"/>
@@ -1016,7 +1053,7 @@
                 <a:ea typeface="+mn-ea"/>
                 <a:cs typeface="+mn-cs"/>
               </a:rPr>
-              <a:t>然后让我们通过视频来看看这个东西能做出点什么</a:t>
+              <a:t>我们通过视频来看看这个东西能做出点什么</a:t>
             </a:r>
             <a:endParaRPr lang="en-US" altLang="zh-CN" sz="1200" b="0" i="0" u="none" strike="noStrike" kern="1200" dirty="0">
               <a:solidFill>
@@ -1191,9 +1228,18 @@
           <a:lstStyle/>
           <a:p>
             <a:r>
+              <a:rPr kumimoji="1" lang="zh-CN" altLang="en-US" dirty="0" smtClean="0"/>
+              <a:t>可以看到，只要</a:t>
+            </a:r>
+            <a:r>
               <a:rPr kumimoji="1" lang="zh-CN" altLang="en-US" dirty="0"/>
-              <a:t>只要你富有想象力，你就可以构建以下的模型</a:t>
-            </a:r>
+              <a:t>你富有想象力，你就可以</a:t>
+            </a:r>
+            <a:r>
+              <a:rPr kumimoji="1" lang="zh-CN" altLang="en-US" dirty="0" smtClean="0"/>
+              <a:t>构建的模你想要的模型</a:t>
+            </a:r>
+            <a:endParaRPr kumimoji="1" lang="zh-CN" altLang="en-US" dirty="0"/>
           </a:p>
         </p:txBody>
       </p:sp>
@@ -4686,6 +4732,13 @@
   <p:clrMapOvr>
     <a:masterClrMapping/>
   </p:clrMapOvr>
+  <p:timing>
+    <p:tnLst>
+      <p:par>
+        <p:cTn id="1" dur="indefinite" restart="never" nodeType="tmRoot"/>
+      </p:par>
+    </p:tnLst>
+  </p:timing>
 </p:sld>
 </file>
 
@@ -4818,6 +4871,13 @@
   <p:transition spd="slow">
     <p:push dir="u"/>
   </p:transition>
+  <p:timing>
+    <p:tnLst>
+      <p:par>
+        <p:cTn id="1" dur="indefinite" restart="never" nodeType="tmRoot"/>
+      </p:par>
+    </p:tnLst>
+  </p:timing>
 </p:sld>
 </file>
 
@@ -4851,7 +4911,7 @@
           <p:cNvPr id="5" name="图片 4">
             <a:extLst>
               <a:ext uri="{FF2B5EF4-FFF2-40B4-BE49-F238E27FC236}">
-                <a16:creationId xmlns:a16="http://schemas.microsoft.com/office/drawing/2014/main" id="{1FF11887-E47A-43E7-A235-3DE35CA340D6}"/>
+                <a16:creationId xmlns:a16="http://schemas.microsoft.com/office/drawing/2014/main" xmlns="" id="{1FF11887-E47A-43E7-A235-3DE35CA340D6}"/>
               </a:ext>
             </a:extLst>
           </p:cNvPr>
@@ -4881,7 +4941,7 @@
           <p:cNvPr id="6" name="图片 5">
             <a:extLst>
               <a:ext uri="{FF2B5EF4-FFF2-40B4-BE49-F238E27FC236}">
-                <a16:creationId xmlns:a16="http://schemas.microsoft.com/office/drawing/2014/main" id="{5822A4C8-38DA-4EFF-B186-84E3DF2CCEE2}"/>
+                <a16:creationId xmlns:a16="http://schemas.microsoft.com/office/drawing/2014/main" xmlns="" id="{5822A4C8-38DA-4EFF-B186-84E3DF2CCEE2}"/>
               </a:ext>
             </a:extLst>
           </p:cNvPr>
@@ -4916,6 +4976,13 @@
   <p:clrMapOvr>
     <a:masterClrMapping/>
   </p:clrMapOvr>
+  <p:timing>
+    <p:tnLst>
+      <p:par>
+        <p:cTn id="1" dur="indefinite" restart="never" nodeType="tmRoot"/>
+      </p:par>
+    </p:tnLst>
+  </p:timing>
 </p:sld>
 </file>
 
@@ -5048,6 +5115,13 @@
   <p:transition spd="slow">
     <p:push dir="u"/>
   </p:transition>
+  <p:timing>
+    <p:tnLst>
+      <p:par>
+        <p:cTn id="1" dur="indefinite" restart="never" nodeType="tmRoot"/>
+      </p:par>
+    </p:tnLst>
+  </p:timing>
 </p:sld>
 </file>
 
@@ -5194,6 +5268,13 @@
   <p:transition spd="slow">
     <p:push dir="u"/>
   </p:transition>
+  <p:timing>
+    <p:tnLst>
+      <p:par>
+        <p:cTn id="1" dur="indefinite" restart="never" nodeType="tmRoot"/>
+      </p:par>
+    </p:tnLst>
+  </p:timing>
 </p:sld>
 </file>
 
@@ -5250,6 +5331,13 @@
       </p:transition>
     </mc:Fallback>
   </mc:AlternateContent>
+  <p:timing>
+    <p:tnLst>
+      <p:par>
+        <p:cTn id="1" dur="indefinite" restart="never" nodeType="tmRoot"/>
+      </p:par>
+    </p:tnLst>
+  </p:timing>
 </p:sld>
 </file>
 
@@ -5336,6 +5424,13 @@
       </p:transition>
     </mc:Fallback>
   </mc:AlternateContent>
+  <p:timing>
+    <p:tnLst>
+      <p:par>
+        <p:cTn id="1" dur="indefinite" restart="never" nodeType="tmRoot"/>
+      </p:par>
+    </p:tnLst>
+  </p:timing>
 </p:sld>
 </file>
 
@@ -5392,6 +5487,13 @@
       </p:transition>
     </mc:Fallback>
   </mc:AlternateContent>
+  <p:timing>
+    <p:tnLst>
+      <p:par>
+        <p:cTn id="1" dur="indefinite" restart="never" nodeType="tmRoot"/>
+      </p:par>
+    </p:tnLst>
+  </p:timing>
 </p:sld>
 </file>
 
@@ -5448,6 +5550,13 @@
       </p:transition>
     </mc:Fallback>
   </mc:AlternateContent>
+  <p:timing>
+    <p:tnLst>
+      <p:par>
+        <p:cTn id="1" dur="indefinite" restart="never" nodeType="tmRoot"/>
+      </p:par>
+    </p:tnLst>
+  </p:timing>
 </p:sld>
 </file>
 
@@ -5504,6 +5613,13 @@
       </p:transition>
     </mc:Fallback>
   </mc:AlternateContent>
+  <p:timing>
+    <p:tnLst>
+      <p:par>
+        <p:cTn id="1" dur="indefinite" restart="never" nodeType="tmRoot"/>
+      </p:par>
+    </p:tnLst>
+  </p:timing>
 </p:sld>
 </file>
 
@@ -5656,6 +5772,13 @@
       </p:transition>
     </mc:Fallback>
   </mc:AlternateContent>
+  <p:timing>
+    <p:tnLst>
+      <p:par>
+        <p:cTn id="1" dur="indefinite" restart="never" nodeType="tmRoot"/>
+      </p:par>
+    </p:tnLst>
+  </p:timing>
 </p:sld>
 </file>
 
